--- a/Occupancy Rate Analysis.pptx
+++ b/Occupancy Rate Analysis.pptx
@@ -122,6 +122,35 @@
     </p:ext>
   </p:extLst>
 </p:presentation>
+</file>
+
+<file path=ppt/changesInfos/changesInfo1.xml><?xml version="1.0" encoding="utf-8"?>
+<pc:chgInfo xmlns:a="http://schemas.openxmlformats.org/drawingml/2006/main" xmlns:r="http://schemas.openxmlformats.org/officeDocument/2006/relationships" xmlns:ac="http://schemas.microsoft.com/office/drawing/2013/main/command" xmlns:pc="http://schemas.microsoft.com/office/powerpoint/2013/main/command">
+  <pc:docChgLst>
+    <pc:chgData name="girdhar verma" userId="7c2fe05bd5db6990" providerId="LiveId" clId="{24D02080-28AB-41C0-8B46-5592ABBF64BE}"/>
+    <pc:docChg chg="modSld">
+      <pc:chgData name="girdhar verma" userId="7c2fe05bd5db6990" providerId="LiveId" clId="{24D02080-28AB-41C0-8B46-5592ABBF64BE}" dt="2025-05-02T13:27:40.337" v="0" actId="113"/>
+      <pc:docMkLst>
+        <pc:docMk/>
+      </pc:docMkLst>
+      <pc:sldChg chg="modSp mod">
+        <pc:chgData name="girdhar verma" userId="7c2fe05bd5db6990" providerId="LiveId" clId="{24D02080-28AB-41C0-8B46-5592ABBF64BE}" dt="2025-05-02T13:27:40.337" v="0" actId="113"/>
+        <pc:sldMkLst>
+          <pc:docMk/>
+          <pc:sldMk cId="453988316" sldId="268"/>
+        </pc:sldMkLst>
+        <pc:spChg chg="mod">
+          <ac:chgData name="girdhar verma" userId="7c2fe05bd5db6990" providerId="LiveId" clId="{24D02080-28AB-41C0-8B46-5592ABBF64BE}" dt="2025-05-02T13:27:40.337" v="0" actId="113"/>
+          <ac:spMkLst>
+            <pc:docMk/>
+            <pc:sldMk cId="453988316" sldId="268"/>
+            <ac:spMk id="3" creationId="{A6A1C3DB-46B8-8DDE-F481-1FC514E98F6B}"/>
+          </ac:spMkLst>
+        </pc:spChg>
+      </pc:sldChg>
+    </pc:docChg>
+  </pc:docChgLst>
+</pc:chgInfo>
 </file>
 
 <file path=ppt/charts/chart1.xml><?xml version="1.0" encoding="utf-8"?>
@@ -2045,7 +2074,7 @@
           <a:p>
             <a:fld id="{51F39DA4-BC80-478D-B413-A0B37B3F6963}" type="datetimeFigureOut">
               <a:rPr lang="en-IN" smtClean="0"/>
-              <a:t>01-05-2025</a:t>
+              <a:t>02-05-2025</a:t>
             </a:fld>
             <a:endParaRPr lang="en-IN"/>
           </a:p>
@@ -2256,7 +2285,7 @@
           <a:p>
             <a:fld id="{51F39DA4-BC80-478D-B413-A0B37B3F6963}" type="datetimeFigureOut">
               <a:rPr lang="en-IN" smtClean="0"/>
-              <a:t>01-05-2025</a:t>
+              <a:t>02-05-2025</a:t>
             </a:fld>
             <a:endParaRPr lang="en-IN"/>
           </a:p>
@@ -2471,7 +2500,7 @@
           <a:p>
             <a:fld id="{51F39DA4-BC80-478D-B413-A0B37B3F6963}" type="datetimeFigureOut">
               <a:rPr lang="en-IN" smtClean="0"/>
-              <a:t>01-05-2025</a:t>
+              <a:t>02-05-2025</a:t>
             </a:fld>
             <a:endParaRPr lang="en-IN"/>
           </a:p>
@@ -2672,7 +2701,7 @@
           <a:p>
             <a:fld id="{51F39DA4-BC80-478D-B413-A0B37B3F6963}" type="datetimeFigureOut">
               <a:rPr lang="en-IN" smtClean="0"/>
-              <a:t>01-05-2025</a:t>
+              <a:t>02-05-2025</a:t>
             </a:fld>
             <a:endParaRPr lang="en-IN"/>
           </a:p>
@@ -2951,7 +2980,7 @@
           <a:p>
             <a:fld id="{51F39DA4-BC80-478D-B413-A0B37B3F6963}" type="datetimeFigureOut">
               <a:rPr lang="en-IN" smtClean="0"/>
-              <a:t>01-05-2025</a:t>
+              <a:t>02-05-2025</a:t>
             </a:fld>
             <a:endParaRPr lang="en-IN"/>
           </a:p>
@@ -3219,7 +3248,7 @@
           <a:p>
             <a:fld id="{51F39DA4-BC80-478D-B413-A0B37B3F6963}" type="datetimeFigureOut">
               <a:rPr lang="en-IN" smtClean="0"/>
-              <a:t>01-05-2025</a:t>
+              <a:t>02-05-2025</a:t>
             </a:fld>
             <a:endParaRPr lang="en-IN"/>
           </a:p>
@@ -3635,7 +3664,7 @@
           <a:p>
             <a:fld id="{51F39DA4-BC80-478D-B413-A0B37B3F6963}" type="datetimeFigureOut">
               <a:rPr lang="en-IN" smtClean="0"/>
-              <a:t>01-05-2025</a:t>
+              <a:t>02-05-2025</a:t>
             </a:fld>
             <a:endParaRPr lang="en-IN"/>
           </a:p>
@@ -3784,7 +3813,7 @@
           <a:p>
             <a:fld id="{51F39DA4-BC80-478D-B413-A0B37B3F6963}" type="datetimeFigureOut">
               <a:rPr lang="en-IN" smtClean="0"/>
-              <a:t>01-05-2025</a:t>
+              <a:t>02-05-2025</a:t>
             </a:fld>
             <a:endParaRPr lang="en-IN"/>
           </a:p>
@@ -3910,7 +3939,7 @@
           <a:p>
             <a:fld id="{51F39DA4-BC80-478D-B413-A0B37B3F6963}" type="datetimeFigureOut">
               <a:rPr lang="en-IN" smtClean="0"/>
-              <a:t>01-05-2025</a:t>
+              <a:t>02-05-2025</a:t>
             </a:fld>
             <a:endParaRPr lang="en-IN"/>
           </a:p>
@@ -4161,7 +4190,7 @@
           <a:p>
             <a:fld id="{51F39DA4-BC80-478D-B413-A0B37B3F6963}" type="datetimeFigureOut">
               <a:rPr lang="en-IN" smtClean="0"/>
-              <a:t>01-05-2025</a:t>
+              <a:t>02-05-2025</a:t>
             </a:fld>
             <a:endParaRPr lang="en-IN"/>
           </a:p>
@@ -4606,7 +4635,7 @@
           <a:p>
             <a:fld id="{51F39DA4-BC80-478D-B413-A0B37B3F6963}" type="datetimeFigureOut">
               <a:rPr lang="en-IN" smtClean="0"/>
-              <a:t>01-05-2025</a:t>
+              <a:t>02-05-2025</a:t>
             </a:fld>
             <a:endParaRPr lang="en-IN"/>
           </a:p>
@@ -4933,7 +4962,7 @@
           <a:p>
             <a:fld id="{51F39DA4-BC80-478D-B413-A0B37B3F6963}" type="datetimeFigureOut">
               <a:rPr lang="en-IN" smtClean="0"/>
-              <a:t>01-05-2025</a:t>
+              <a:t>02-05-2025</a:t>
             </a:fld>
             <a:endParaRPr lang="en-IN"/>
           </a:p>
@@ -6199,13 +6228,12 @@
             <a:pPr lvl="1"/>
             <a:r>
               <a:rPr lang="en-IN" dirty="0"/>
-              <a:t>Formula should be = (# of Bed) X (# of Days) X ADR X (# </a:t>
-            </a:r>
-            <a:r>
-              <a:rPr lang="en-IN"/>
-              <a:t>of Properties)</a:t>
-            </a:r>
-            <a:endParaRPr lang="en-IN" dirty="0"/>
+              <a:t>Formula should be = (# of Bed) X (# of Days) X ADR </a:t>
+            </a:r>
+            <a:r>
+              <a:rPr lang="en-IN" b="1" dirty="0"/>
+              <a:t>X (# of Properties)</a:t>
+            </a:r>
           </a:p>
         </p:txBody>
       </p:sp>
